--- a/01_02-CodeSmells.pptx
+++ b/01_02-CodeSmells.pptx
@@ -16,7 +16,11 @@
     <p:sldId id="256" r:id="rId10"/>
     <p:sldId id="281" r:id="rId11"/>
     <p:sldId id="279" r:id="rId12"/>
-    <p:sldId id="280" r:id="rId13"/>
+    <p:sldId id="285" r:id="rId13"/>
+    <p:sldId id="284" r:id="rId14"/>
+    <p:sldId id="282" r:id="rId15"/>
+    <p:sldId id="283" r:id="rId16"/>
+    <p:sldId id="280" r:id="rId17"/>
   </p:sldIdLst>
   <p:sldSz cx="12192000" cy="6858000"/>
   <p:notesSz cx="6858000" cy="9144000"/>
@@ -163,6 +167,10 @@
             <p14:sldId id="256"/>
             <p14:sldId id="281"/>
             <p14:sldId id="279"/>
+            <p14:sldId id="285"/>
+            <p14:sldId id="284"/>
+            <p14:sldId id="282"/>
+            <p14:sldId id="283"/>
             <p14:sldId id="280"/>
           </p14:sldIdLst>
         </p14:section>
@@ -10822,7 +10830,7 @@
 </file>
 
 <file path=ppt/slides/slide2.xml><?xml version="1.0" encoding="utf-8"?>
-<p:sld xmlns:a="http://schemas.openxmlformats.org/drawingml/2006/main" xmlns:r="http://schemas.openxmlformats.org/officeDocument/2006/relationships" xmlns:p="http://schemas.openxmlformats.org/presentationml/2006/main">
+<p:sld xmlns:a="http://schemas.openxmlformats.org/drawingml/2006/main" xmlns:r="http://schemas.openxmlformats.org/officeDocument/2006/relationships" xmlns:p="http://schemas.openxmlformats.org/presentationml/2006/main" showMasterPhAnim="0">
   <p:cSld>
     <p:spTree>
       <p:nvGrpSpPr>
@@ -10915,11 +10923,126 @@
   <p:transition>
     <p:dissolve/>
   </p:transition>
+  <p:timing>
+    <p:tnLst>
+      <p:par>
+        <p:cTn id="1" dur="indefinite" restart="never" nodeType="tmRoot">
+          <p:childTnLst>
+            <p:seq concurrent="1" nextAc="seek">
+              <p:cTn id="2" dur="indefinite" nodeType="mainSeq">
+                <p:childTnLst>
+                  <p:par>
+                    <p:cTn id="3" fill="hold">
+                      <p:stCondLst>
+                        <p:cond delay="indefinite"/>
+                      </p:stCondLst>
+                      <p:childTnLst>
+                        <p:par>
+                          <p:cTn id="4" fill="hold">
+                            <p:stCondLst>
+                              <p:cond delay="0"/>
+                            </p:stCondLst>
+                            <p:childTnLst>
+                              <p:par>
+                                <p:cTn id="5" presetID="-1074306296" presetClass="entr" presetSubtype="0" fill="hold" grpId="0" nodeType="clickEffect">
+                                  <p:stCondLst>
+                                    <p:cond delay="0"/>
+                                  </p:stCondLst>
+                                  <p:childTnLst>
+                                    <p:set>
+                                      <p:cBhvr>
+                                        <p:cTn id="6" dur="1" fill="hold">
+                                          <p:stCondLst>
+                                            <p:cond delay="499"/>
+                                          </p:stCondLst>
+                                        </p:cTn>
+                                        <p:tgtEl>
+                                          <p:spTgt spid="4"/>
+                                        </p:tgtEl>
+                                        <p:attrNameLst>
+                                          <p:attrName>style.visibility</p:attrName>
+                                        </p:attrNameLst>
+                                      </p:cBhvr>
+                                      <p:to>
+                                        <p:strVal val="visible"/>
+                                      </p:to>
+                                    </p:set>
+                                  </p:childTnLst>
+                                </p:cTn>
+                              </p:par>
+                            </p:childTnLst>
+                          </p:cTn>
+                        </p:par>
+                        <p:par>
+                          <p:cTn id="7" fill="hold">
+                            <p:stCondLst>
+                              <p:cond delay="500"/>
+                            </p:stCondLst>
+                            <p:childTnLst>
+                              <p:par>
+                                <p:cTn id="8" presetID="-1074306296" presetClass="entr" presetSubtype="0" fill="hold" grpId="0" nodeType="afterEffect">
+                                  <p:stCondLst>
+                                    <p:cond delay="500"/>
+                                  </p:stCondLst>
+                                  <p:childTnLst>
+                                    <p:set>
+                                      <p:cBhvr>
+                                        <p:cTn id="9" dur="1" fill="hold">
+                                          <p:stCondLst>
+                                            <p:cond delay="499"/>
+                                          </p:stCondLst>
+                                        </p:cTn>
+                                        <p:tgtEl>
+                                          <p:spTgt spid="5"/>
+                                        </p:tgtEl>
+                                        <p:attrNameLst>
+                                          <p:attrName>style.visibility</p:attrName>
+                                        </p:attrNameLst>
+                                      </p:cBhvr>
+                                      <p:to>
+                                        <p:strVal val="visible"/>
+                                      </p:to>
+                                    </p:set>
+                                  </p:childTnLst>
+                                </p:cTn>
+                              </p:par>
+                            </p:childTnLst>
+                          </p:cTn>
+                        </p:par>
+                      </p:childTnLst>
+                    </p:cTn>
+                  </p:par>
+                </p:childTnLst>
+              </p:cTn>
+              <p:prevCondLst>
+                <p:cond evt="onPrev" delay="0">
+                  <p:tgtEl>
+                    <p:sldTgt/>
+                  </p:tgtEl>
+                </p:cond>
+              </p:prevCondLst>
+              <p:nextCondLst>
+                <p:cond evt="onNext" delay="0">
+                  <p:tgtEl>
+                    <p:sldTgt/>
+                  </p:tgtEl>
+                </p:cond>
+              </p:nextCondLst>
+            </p:seq>
+          </p:childTnLst>
+        </p:cTn>
+      </p:par>
+    </p:tnLst>
+    <p:bldLst>
+      <p:bldP spid="4" grpId="0" autoUpdateAnimBg="0"/>
+      <p:bldP spid="5" grpId="0" autoUpdateAnimBg="0"/>
+    </p:bldLst>
+  </p:timing>
 </p:sld>
 </file>
 
 <file path=ppt/slides/slide3.xml><?xml version="1.0" encoding="utf-8"?>
-<p:sld xmlns:a="http://schemas.openxmlformats.org/drawingml/2006/main" xmlns:r="http://schemas.openxmlformats.org/officeDocument/2006/relationships" xmlns:p="http://schemas.openxmlformats.org/presentationml/2006/main">
+<p:sld xmlns:a="http://schemas.openxmlformats.org/drawingml/2006/main" xmlns:r="http://schemas.openxmlformats.org/officeDocument/2006/relationships" xmlns:p="http://schemas.openxmlformats.org/presentationml/2006/main" showMasterPhAnim="0">
   <p:cSld>
     <p:spTree>
       <p:nvGrpSpPr>
@@ -11028,10 +11151,512 @@
   <p:transition>
     <p:dissolve/>
   </p:transition>
+  <p:timing>
+    <p:tnLst>
+      <p:par>
+        <p:cTn id="1" dur="indefinite" restart="never" nodeType="tmRoot">
+          <p:childTnLst>
+            <p:seq concurrent="1" nextAc="seek">
+              <p:cTn id="2" dur="indefinite" nodeType="mainSeq">
+                <p:childTnLst>
+                  <p:par>
+                    <p:cTn id="3" fill="hold">
+                      <p:stCondLst>
+                        <p:cond delay="indefinite"/>
+                        <p:cond evt="onBegin" delay="0">
+                          <p:tn val="2"/>
+                        </p:cond>
+                      </p:stCondLst>
+                      <p:childTnLst>
+                        <p:par>
+                          <p:cTn id="4" fill="hold">
+                            <p:stCondLst>
+                              <p:cond delay="0"/>
+                            </p:stCondLst>
+                            <p:childTnLst>
+                              <p:par>
+                                <p:cTn id="5" presetID="-1074306296" presetClass="entr" presetSubtype="0" fill="hold" grpId="0" nodeType="afterEffect">
+                                  <p:stCondLst>
+                                    <p:cond delay="0"/>
+                                  </p:stCondLst>
+                                  <p:childTnLst>
+                                    <p:set>
+                                      <p:cBhvr>
+                                        <p:cTn id="6" dur="1" fill="hold">
+                                          <p:stCondLst>
+                                            <p:cond delay="499"/>
+                                          </p:stCondLst>
+                                        </p:cTn>
+                                        <p:tgtEl>
+                                          <p:spTgt spid="6"/>
+                                        </p:tgtEl>
+                                        <p:attrNameLst>
+                                          <p:attrName>style.visibility</p:attrName>
+                                        </p:attrNameLst>
+                                      </p:cBhvr>
+                                      <p:to>
+                                        <p:strVal val="visible"/>
+                                      </p:to>
+                                    </p:set>
+                                  </p:childTnLst>
+                                </p:cTn>
+                              </p:par>
+                            </p:childTnLst>
+                          </p:cTn>
+                        </p:par>
+                        <p:par>
+                          <p:cTn id="7" fill="hold">
+                            <p:stCondLst>
+                              <p:cond delay="500"/>
+                            </p:stCondLst>
+                            <p:childTnLst>
+                              <p:par>
+                                <p:cTn id="8" presetID="1" presetClass="entr" presetSubtype="0" fill="hold" grpId="0" nodeType="afterEffect">
+                                  <p:stCondLst>
+                                    <p:cond delay="1000"/>
+                                  </p:stCondLst>
+                                  <p:childTnLst>
+                                    <p:set>
+                                      <p:cBhvr>
+                                        <p:cTn id="9" dur="1" fill="hold">
+                                          <p:stCondLst>
+                                            <p:cond delay="0"/>
+                                          </p:stCondLst>
+                                        </p:cTn>
+                                        <p:tgtEl>
+                                          <p:spTgt spid="7">
+                                            <p:txEl>
+                                              <p:pRg st="0" end="0"/>
+                                            </p:txEl>
+                                          </p:spTgt>
+                                        </p:tgtEl>
+                                        <p:attrNameLst>
+                                          <p:attrName>style.visibility</p:attrName>
+                                        </p:attrNameLst>
+                                      </p:cBhvr>
+                                      <p:to>
+                                        <p:strVal val="visible"/>
+                                      </p:to>
+                                    </p:set>
+                                  </p:childTnLst>
+                                </p:cTn>
+                              </p:par>
+                            </p:childTnLst>
+                          </p:cTn>
+                        </p:par>
+                        <p:par>
+                          <p:cTn id="10" fill="hold">
+                            <p:stCondLst>
+                              <p:cond delay="1500"/>
+                            </p:stCondLst>
+                            <p:childTnLst>
+                              <p:par>
+                                <p:cTn id="11" presetID="1" presetClass="entr" presetSubtype="0" fill="hold" grpId="0" nodeType="afterEffect">
+                                  <p:stCondLst>
+                                    <p:cond delay="1000"/>
+                                  </p:stCondLst>
+                                  <p:childTnLst>
+                                    <p:set>
+                                      <p:cBhvr>
+                                        <p:cTn id="12" dur="1" fill="hold">
+                                          <p:stCondLst>
+                                            <p:cond delay="0"/>
+                                          </p:stCondLst>
+                                        </p:cTn>
+                                        <p:tgtEl>
+                                          <p:spTgt spid="7">
+                                            <p:txEl>
+                                              <p:pRg st="1" end="1"/>
+                                            </p:txEl>
+                                          </p:spTgt>
+                                        </p:tgtEl>
+                                        <p:attrNameLst>
+                                          <p:attrName>style.visibility</p:attrName>
+                                        </p:attrNameLst>
+                                      </p:cBhvr>
+                                      <p:to>
+                                        <p:strVal val="visible"/>
+                                      </p:to>
+                                    </p:set>
+                                  </p:childTnLst>
+                                </p:cTn>
+                              </p:par>
+                            </p:childTnLst>
+                          </p:cTn>
+                        </p:par>
+                        <p:par>
+                          <p:cTn id="13" fill="hold">
+                            <p:stCondLst>
+                              <p:cond delay="2500"/>
+                            </p:stCondLst>
+                            <p:childTnLst>
+                              <p:par>
+                                <p:cTn id="14" presetID="1" presetClass="entr" presetSubtype="0" fill="hold" grpId="0" nodeType="afterEffect">
+                                  <p:stCondLst>
+                                    <p:cond delay="1000"/>
+                                  </p:stCondLst>
+                                  <p:childTnLst>
+                                    <p:set>
+                                      <p:cBhvr>
+                                        <p:cTn id="15" dur="1" fill="hold">
+                                          <p:stCondLst>
+                                            <p:cond delay="0"/>
+                                          </p:stCondLst>
+                                        </p:cTn>
+                                        <p:tgtEl>
+                                          <p:spTgt spid="7">
+                                            <p:txEl>
+                                              <p:pRg st="2" end="2"/>
+                                            </p:txEl>
+                                          </p:spTgt>
+                                        </p:tgtEl>
+                                        <p:attrNameLst>
+                                          <p:attrName>style.visibility</p:attrName>
+                                        </p:attrNameLst>
+                                      </p:cBhvr>
+                                      <p:to>
+                                        <p:strVal val="visible"/>
+                                      </p:to>
+                                    </p:set>
+                                  </p:childTnLst>
+                                </p:cTn>
+                              </p:par>
+                            </p:childTnLst>
+                          </p:cTn>
+                        </p:par>
+                        <p:par>
+                          <p:cTn id="16" fill="hold">
+                            <p:stCondLst>
+                              <p:cond delay="3500"/>
+                            </p:stCondLst>
+                            <p:childTnLst>
+                              <p:par>
+                                <p:cTn id="17" presetID="1" presetClass="entr" presetSubtype="0" fill="hold" grpId="0" nodeType="afterEffect">
+                                  <p:stCondLst>
+                                    <p:cond delay="1000"/>
+                                  </p:stCondLst>
+                                  <p:childTnLst>
+                                    <p:set>
+                                      <p:cBhvr>
+                                        <p:cTn id="18" dur="1" fill="hold">
+                                          <p:stCondLst>
+                                            <p:cond delay="0"/>
+                                          </p:stCondLst>
+                                        </p:cTn>
+                                        <p:tgtEl>
+                                          <p:spTgt spid="7">
+                                            <p:txEl>
+                                              <p:pRg st="3" end="3"/>
+                                            </p:txEl>
+                                          </p:spTgt>
+                                        </p:tgtEl>
+                                        <p:attrNameLst>
+                                          <p:attrName>style.visibility</p:attrName>
+                                        </p:attrNameLst>
+                                      </p:cBhvr>
+                                      <p:to>
+                                        <p:strVal val="visible"/>
+                                      </p:to>
+                                    </p:set>
+                                  </p:childTnLst>
+                                </p:cTn>
+                              </p:par>
+                            </p:childTnLst>
+                          </p:cTn>
+                        </p:par>
+                        <p:par>
+                          <p:cTn id="19" fill="hold">
+                            <p:stCondLst>
+                              <p:cond delay="4500"/>
+                            </p:stCondLst>
+                            <p:childTnLst>
+                              <p:par>
+                                <p:cTn id="20" presetID="1" presetClass="entr" presetSubtype="0" fill="hold" grpId="0" nodeType="afterEffect">
+                                  <p:stCondLst>
+                                    <p:cond delay="1000"/>
+                                  </p:stCondLst>
+                                  <p:childTnLst>
+                                    <p:set>
+                                      <p:cBhvr>
+                                        <p:cTn id="21" dur="1" fill="hold">
+                                          <p:stCondLst>
+                                            <p:cond delay="0"/>
+                                          </p:stCondLst>
+                                        </p:cTn>
+                                        <p:tgtEl>
+                                          <p:spTgt spid="7">
+                                            <p:txEl>
+                                              <p:pRg st="4" end="4"/>
+                                            </p:txEl>
+                                          </p:spTgt>
+                                        </p:tgtEl>
+                                        <p:attrNameLst>
+                                          <p:attrName>style.visibility</p:attrName>
+                                        </p:attrNameLst>
+                                      </p:cBhvr>
+                                      <p:to>
+                                        <p:strVal val="visible"/>
+                                      </p:to>
+                                    </p:set>
+                                  </p:childTnLst>
+                                </p:cTn>
+                              </p:par>
+                            </p:childTnLst>
+                          </p:cTn>
+                        </p:par>
+                      </p:childTnLst>
+                    </p:cTn>
+                  </p:par>
+                </p:childTnLst>
+              </p:cTn>
+              <p:prevCondLst>
+                <p:cond evt="onPrev" delay="0">
+                  <p:tgtEl>
+                    <p:sldTgt/>
+                  </p:tgtEl>
+                </p:cond>
+              </p:prevCondLst>
+              <p:nextCondLst>
+                <p:cond evt="onNext" delay="0">
+                  <p:tgtEl>
+                    <p:sldTgt/>
+                  </p:tgtEl>
+                </p:cond>
+              </p:nextCondLst>
+            </p:seq>
+          </p:childTnLst>
+        </p:cTn>
+      </p:par>
+    </p:tnLst>
+    <p:bldLst>
+      <p:bldP spid="6" grpId="0" autoUpdateAnimBg="0"/>
+      <p:bldP spid="7" grpId="0" build="p" bldLvl="5" autoUpdateAnimBg="0"/>
+    </p:bldLst>
+  </p:timing>
 </p:sld>
 </file>
 
 <file path=ppt/slides/slide4.xml><?xml version="1.0" encoding="utf-8"?>
+<p:sld xmlns:a="http://schemas.openxmlformats.org/drawingml/2006/main" xmlns:r="http://schemas.openxmlformats.org/officeDocument/2006/relationships" xmlns:p="http://schemas.openxmlformats.org/presentationml/2006/main" showMasterPhAnim="0">
+  <p:cSld>
+    <p:spTree>
+      <p:nvGrpSpPr>
+        <p:cNvPr id="1" name=""/>
+        <p:cNvGrpSpPr/>
+        <p:nvPr/>
+      </p:nvGrpSpPr>
+      <p:grpSpPr>
+        <a:xfrm>
+          <a:off x="0" y="0"/>
+          <a:ext cx="0" cy="0"/>
+          <a:chOff x="0" y="0"/>
+          <a:chExt cx="0" cy="0"/>
+        </a:xfrm>
+      </p:grpSpPr>
+      <p:sp>
+        <p:nvSpPr>
+          <p:cNvPr id="2" name="Title 1">
+            <a:extLst>
+              <a:ext uri="{FF2B5EF4-FFF2-40B4-BE49-F238E27FC236}">
+                <a16:creationId xmlns:a16="http://schemas.microsoft.com/office/drawing/2014/main" id="{AC0BCCB1-030C-45A4-AAE9-BB900882CBA3}"/>
+              </a:ext>
+            </a:extLst>
+          </p:cNvPr>
+          <p:cNvSpPr>
+            <a:spLocks noGrp="1"/>
+          </p:cNvSpPr>
+          <p:nvPr>
+            <p:ph type="title"/>
+          </p:nvPr>
+        </p:nvSpPr>
+        <p:spPr/>
+        <p:txBody>
+          <a:bodyPr/>
+          <a:lstStyle/>
+          <a:p>
+            <a:r>
+              <a:rPr lang="en-US" dirty="0"/>
+              <a:t>Subjective Indicators (“Code Smells”)</a:t>
+            </a:r>
+          </a:p>
+        </p:txBody>
+      </p:sp>
+      <p:sp>
+        <p:nvSpPr>
+          <p:cNvPr id="3" name="Content Placeholder 2">
+            <a:extLst>
+              <a:ext uri="{FF2B5EF4-FFF2-40B4-BE49-F238E27FC236}">
+                <a16:creationId xmlns:a16="http://schemas.microsoft.com/office/drawing/2014/main" id="{4B50B754-3893-4740-8705-57493D389CBD}"/>
+              </a:ext>
+            </a:extLst>
+          </p:cNvPr>
+          <p:cNvSpPr>
+            <a:spLocks noGrp="1"/>
+          </p:cNvSpPr>
+          <p:nvPr>
+            <p:ph idx="1"/>
+          </p:nvPr>
+        </p:nvSpPr>
+        <p:spPr/>
+        <p:txBody>
+          <a:bodyPr/>
+          <a:lstStyle/>
+          <a:p>
+            <a:endParaRPr lang="en-US" dirty="0">
+              <a:solidFill>
+                <a:schemeClr val="bg1">
+                  <a:lumMod val="50000"/>
+                </a:schemeClr>
+              </a:solidFill>
+            </a:endParaRPr>
+          </a:p>
+        </p:txBody>
+      </p:sp>
+    </p:spTree>
+    <p:extLst>
+      <p:ext uri="{BB962C8B-B14F-4D97-AF65-F5344CB8AC3E}">
+        <p14:creationId xmlns:p14="http://schemas.microsoft.com/office/powerpoint/2010/main" val="2899604622"/>
+      </p:ext>
+    </p:extLst>
+  </p:cSld>
+  <p:clrMapOvr>
+    <a:masterClrMapping/>
+  </p:clrMapOvr>
+  <p:transition>
+    <p:dissolve/>
+  </p:transition>
+</p:sld>
+</file>
+
+<file path=ppt/slides/slide5.xml><?xml version="1.0" encoding="utf-8"?>
+<p:sld xmlns:a="http://schemas.openxmlformats.org/drawingml/2006/main" xmlns:r="http://schemas.openxmlformats.org/officeDocument/2006/relationships" xmlns:p="http://schemas.openxmlformats.org/presentationml/2006/main" showMasterPhAnim="0">
+  <p:cSld>
+    <p:spTree>
+      <p:nvGrpSpPr>
+        <p:cNvPr id="1" name=""/>
+        <p:cNvGrpSpPr/>
+        <p:nvPr/>
+      </p:nvGrpSpPr>
+      <p:grpSpPr>
+        <a:xfrm>
+          <a:off x="0" y="0"/>
+          <a:ext cx="0" cy="0"/>
+          <a:chOff x="0" y="0"/>
+          <a:chExt cx="0" cy="0"/>
+        </a:xfrm>
+      </p:grpSpPr>
+      <p:sp>
+        <p:nvSpPr>
+          <p:cNvPr id="2" name="Title 1">
+            <a:extLst>
+              <a:ext uri="{FF2B5EF4-FFF2-40B4-BE49-F238E27FC236}">
+                <a16:creationId xmlns:a16="http://schemas.microsoft.com/office/drawing/2014/main" id="{AC0BCCB1-030C-45A4-AAE9-BB900882CBA3}"/>
+              </a:ext>
+            </a:extLst>
+          </p:cNvPr>
+          <p:cNvSpPr>
+            <a:spLocks noGrp="1"/>
+          </p:cNvSpPr>
+          <p:nvPr>
+            <p:ph type="title"/>
+          </p:nvPr>
+        </p:nvSpPr>
+        <p:spPr/>
+        <p:txBody>
+          <a:bodyPr/>
+          <a:lstStyle/>
+          <a:p>
+            <a:r>
+              <a:rPr lang="en-US" dirty="0"/>
+              <a:t>Subjective Indicators (“Code Smells”)</a:t>
+            </a:r>
+          </a:p>
+        </p:txBody>
+      </p:sp>
+      <p:sp>
+        <p:nvSpPr>
+          <p:cNvPr id="3" name="Content Placeholder 2">
+            <a:extLst>
+              <a:ext uri="{FF2B5EF4-FFF2-40B4-BE49-F238E27FC236}">
+                <a16:creationId xmlns:a16="http://schemas.microsoft.com/office/drawing/2014/main" id="{4B50B754-3893-4740-8705-57493D389CBD}"/>
+              </a:ext>
+            </a:extLst>
+          </p:cNvPr>
+          <p:cNvSpPr>
+            <a:spLocks noGrp="1"/>
+          </p:cNvSpPr>
+          <p:nvPr>
+            <p:ph idx="1"/>
+          </p:nvPr>
+        </p:nvSpPr>
+        <p:spPr/>
+        <p:txBody>
+          <a:bodyPr/>
+          <a:lstStyle/>
+          <a:p>
+            <a:r>
+              <a:rPr lang="en-US" dirty="0"/>
+              <a:t>“Magic” strings and numbers</a:t>
+            </a:r>
+            <a:br>
+              <a:rPr lang="en-US" dirty="0"/>
+            </a:br>
+            <a:r>
+              <a:rPr lang="en-US" sz="2400" i="1" dirty="0">
+                <a:solidFill>
+                  <a:schemeClr val="bg1">
+                    <a:lumMod val="50000"/>
+                  </a:schemeClr>
+                </a:solidFill>
+              </a:rPr>
+              <a:t>Constant, hard-coded variables that lack obvious meaning.  </a:t>
+            </a:r>
+            <a:br>
+              <a:rPr lang="en-US" sz="2400" i="1" dirty="0">
+                <a:solidFill>
+                  <a:schemeClr val="bg1">
+                    <a:lumMod val="50000"/>
+                  </a:schemeClr>
+                </a:solidFill>
+              </a:rPr>
+            </a:br>
+            <a:r>
+              <a:rPr lang="en-US" sz="2400" i="1" dirty="0">
+                <a:solidFill>
+                  <a:schemeClr val="bg1">
+                    <a:lumMod val="50000"/>
+                  </a:schemeClr>
+                </a:solidFill>
+              </a:rPr>
+              <a:t>Often repeated – sometimes incorrectly!</a:t>
+            </a:r>
+            <a:endParaRPr lang="en-US" dirty="0">
+              <a:solidFill>
+                <a:schemeClr val="bg1">
+                  <a:lumMod val="50000"/>
+                </a:schemeClr>
+              </a:solidFill>
+            </a:endParaRPr>
+          </a:p>
+        </p:txBody>
+      </p:sp>
+    </p:spTree>
+    <p:extLst>
+      <p:ext uri="{BB962C8B-B14F-4D97-AF65-F5344CB8AC3E}">
+        <p14:creationId xmlns:p14="http://schemas.microsoft.com/office/powerpoint/2010/main" val="1660361935"/>
+      </p:ext>
+    </p:extLst>
+  </p:cSld>
+  <p:clrMapOvr>
+    <a:masterClrMapping/>
+  </p:clrMapOvr>
+  <p:transition>
+    <p:dissolve/>
+  </p:transition>
+</p:sld>
+</file>
+
+<file path=ppt/slides/slide6.xml><?xml version="1.0" encoding="utf-8"?>
 <p:sld xmlns:a="http://schemas.openxmlformats.org/drawingml/2006/main" xmlns:r="http://schemas.openxmlformats.org/officeDocument/2006/relationships" xmlns:p="http://schemas.openxmlformats.org/presentationml/2006/main" showMasterPhAnim="0">
   <p:cSld>
     <p:spTree>
@@ -11105,33 +11730,35 @@
           <a:p>
             <a:r>
               <a:rPr lang="en-US" dirty="0"/>
-              <a:t>(Over-)Using weakly-typed objects</a:t>
+              <a:t>Overusing weakly-typed objects</a:t>
             </a:r>
-          </a:p>
-          <a:p>
+            <a:br>
+              <a:rPr lang="en-US" dirty="0"/>
+            </a:br>
             <a:r>
-              <a:rPr lang="en-US" dirty="0"/>
-              <a:t>Duplication of code or markup</a:t>
+              <a:rPr lang="en-US" sz="2400" i="1" dirty="0">
+                <a:solidFill>
+                  <a:schemeClr val="bg1">
+                    <a:lumMod val="50000"/>
+                  </a:schemeClr>
+                </a:solidFill>
+              </a:rPr>
+              <a:t>Lost compile-time type checking, refactoring, and may have negative performance impact</a:t>
             </a:r>
-          </a:p>
-          <a:p>
-            <a:r>
-              <a:rPr lang="en-US" dirty="0"/>
-              <a:t>Complex Views</a:t>
-            </a:r>
-          </a:p>
-          <a:p>
-            <a:r>
-              <a:rPr lang="en-US" dirty="0"/>
-              <a:t>“Fat” Controllers</a:t>
-            </a:r>
+            <a:endParaRPr lang="en-US" i="1" dirty="0">
+              <a:solidFill>
+                <a:schemeClr val="bg1">
+                  <a:lumMod val="50000"/>
+                </a:schemeClr>
+              </a:solidFill>
+            </a:endParaRPr>
           </a:p>
         </p:txBody>
       </p:sp>
     </p:spTree>
     <p:extLst>
       <p:ext uri="{BB962C8B-B14F-4D97-AF65-F5344CB8AC3E}">
-        <p14:creationId xmlns:p14="http://schemas.microsoft.com/office/powerpoint/2010/main" val="2899604622"/>
+        <p14:creationId xmlns:p14="http://schemas.microsoft.com/office/powerpoint/2010/main" val="3387953193"/>
       </p:ext>
     </p:extLst>
   </p:cSld>
@@ -11141,333 +11768,271 @@
   <p:transition>
     <p:dissolve/>
   </p:transition>
-  <p:timing>
-    <p:tnLst>
-      <p:par>
-        <p:cTn id="1" dur="indefinite" restart="never" nodeType="tmRoot">
-          <p:childTnLst>
-            <p:seq concurrent="1" nextAc="seek">
-              <p:cTn id="2" dur="indefinite" nodeType="mainSeq">
-                <p:childTnLst>
-                  <p:par>
-                    <p:cTn id="3" fill="hold">
-                      <p:stCondLst>
-                        <p:cond delay="indefinite"/>
-                      </p:stCondLst>
-                      <p:childTnLst>
-                        <p:par>
-                          <p:cTn id="4" fill="hold">
-                            <p:stCondLst>
-                              <p:cond delay="0"/>
-                            </p:stCondLst>
-                            <p:childTnLst>
-                              <p:par>
-                                <p:cTn id="5" presetID="-1074306296" presetClass="entr" presetSubtype="0" fill="hold" grpId="0" nodeType="clickEffect">
-                                  <p:stCondLst>
-                                    <p:cond delay="0"/>
-                                  </p:stCondLst>
-                                  <p:childTnLst>
-                                    <p:set>
-                                      <p:cBhvr>
-                                        <p:cTn id="6" dur="1" fill="hold">
-                                          <p:stCondLst>
-                                            <p:cond delay="499"/>
-                                          </p:stCondLst>
-                                        </p:cTn>
-                                        <p:tgtEl>
-                                          <p:spTgt spid="2"/>
-                                        </p:tgtEl>
-                                        <p:attrNameLst>
-                                          <p:attrName>style.visibility</p:attrName>
-                                        </p:attrNameLst>
-                                      </p:cBhvr>
-                                      <p:to>
-                                        <p:strVal val="visible"/>
-                                      </p:to>
-                                    </p:set>
-                                  </p:childTnLst>
-                                </p:cTn>
-                              </p:par>
-                            </p:childTnLst>
-                          </p:cTn>
-                        </p:par>
-                      </p:childTnLst>
-                    </p:cTn>
-                  </p:par>
-                  <p:par>
-                    <p:cTn id="7" fill="hold">
-                      <p:stCondLst>
-                        <p:cond delay="indefinite"/>
-                      </p:stCondLst>
-                      <p:childTnLst>
-                        <p:par>
-                          <p:cTn id="8" fill="hold">
-                            <p:stCondLst>
-                              <p:cond delay="0"/>
-                            </p:stCondLst>
-                            <p:childTnLst>
-                              <p:par>
-                                <p:cTn id="9" presetID="1" presetClass="entr" presetSubtype="0" fill="hold" nodeType="clickEffect">
-                                  <p:stCondLst>
-                                    <p:cond delay="0"/>
-                                  </p:stCondLst>
-                                  <p:childTnLst>
-                                    <p:set>
-                                      <p:cBhvr>
-                                        <p:cTn id="10" dur="1" fill="hold">
-                                          <p:stCondLst>
-                                            <p:cond delay="0"/>
-                                          </p:stCondLst>
-                                        </p:cTn>
-                                        <p:tgtEl>
-                                          <p:spTgt spid="3">
-                                            <p:txEl>
-                                              <p:pRg st="0" end="0"/>
-                                            </p:txEl>
-                                          </p:spTgt>
-                                        </p:tgtEl>
-                                        <p:attrNameLst>
-                                          <p:attrName>style.visibility</p:attrName>
-                                        </p:attrNameLst>
-                                      </p:cBhvr>
-                                      <p:to>
-                                        <p:strVal val="visible"/>
-                                      </p:to>
-                                    </p:set>
-                                  </p:childTnLst>
-                                </p:cTn>
-                              </p:par>
-                            </p:childTnLst>
-                          </p:cTn>
-                        </p:par>
-                      </p:childTnLst>
-                    </p:cTn>
-                  </p:par>
-                  <p:par>
-                    <p:cTn id="11" fill="hold">
-                      <p:stCondLst>
-                        <p:cond delay="indefinite"/>
-                      </p:stCondLst>
-                      <p:childTnLst>
-                        <p:par>
-                          <p:cTn id="12" fill="hold">
-                            <p:stCondLst>
-                              <p:cond delay="0"/>
-                            </p:stCondLst>
-                            <p:childTnLst>
-                              <p:par>
-                                <p:cTn id="13" presetID="1" presetClass="entr" presetSubtype="0" fill="hold" nodeType="clickEffect">
-                                  <p:stCondLst>
-                                    <p:cond delay="0"/>
-                                  </p:stCondLst>
-                                  <p:childTnLst>
-                                    <p:set>
-                                      <p:cBhvr>
-                                        <p:cTn id="14" dur="1" fill="hold">
-                                          <p:stCondLst>
-                                            <p:cond delay="0"/>
-                                          </p:stCondLst>
-                                        </p:cTn>
-                                        <p:tgtEl>
-                                          <p:spTgt spid="3">
-                                            <p:txEl>
-                                              <p:pRg st="1" end="1"/>
-                                            </p:txEl>
-                                          </p:spTgt>
-                                        </p:tgtEl>
-                                        <p:attrNameLst>
-                                          <p:attrName>style.visibility</p:attrName>
-                                        </p:attrNameLst>
-                                      </p:cBhvr>
-                                      <p:to>
-                                        <p:strVal val="visible"/>
-                                      </p:to>
-                                    </p:set>
-                                  </p:childTnLst>
-                                </p:cTn>
-                              </p:par>
-                            </p:childTnLst>
-                          </p:cTn>
-                        </p:par>
-                      </p:childTnLst>
-                    </p:cTn>
-                  </p:par>
-                  <p:par>
-                    <p:cTn id="15" fill="hold">
-                      <p:stCondLst>
-                        <p:cond delay="indefinite"/>
-                      </p:stCondLst>
-                      <p:childTnLst>
-                        <p:par>
-                          <p:cTn id="16" fill="hold">
-                            <p:stCondLst>
-                              <p:cond delay="0"/>
-                            </p:stCondLst>
-                            <p:childTnLst>
-                              <p:par>
-                                <p:cTn id="17" presetID="1" presetClass="entr" presetSubtype="0" fill="hold" nodeType="clickEffect">
-                                  <p:stCondLst>
-                                    <p:cond delay="0"/>
-                                  </p:stCondLst>
-                                  <p:childTnLst>
-                                    <p:set>
-                                      <p:cBhvr>
-                                        <p:cTn id="18" dur="1" fill="hold">
-                                          <p:stCondLst>
-                                            <p:cond delay="0"/>
-                                          </p:stCondLst>
-                                        </p:cTn>
-                                        <p:tgtEl>
-                                          <p:spTgt spid="3">
-                                            <p:txEl>
-                                              <p:pRg st="2" end="2"/>
-                                            </p:txEl>
-                                          </p:spTgt>
-                                        </p:tgtEl>
-                                        <p:attrNameLst>
-                                          <p:attrName>style.visibility</p:attrName>
-                                        </p:attrNameLst>
-                                      </p:cBhvr>
-                                      <p:to>
-                                        <p:strVal val="visible"/>
-                                      </p:to>
-                                    </p:set>
-                                  </p:childTnLst>
-                                </p:cTn>
-                              </p:par>
-                            </p:childTnLst>
-                          </p:cTn>
-                        </p:par>
-                      </p:childTnLst>
-                    </p:cTn>
-                  </p:par>
-                  <p:par>
-                    <p:cTn id="19" fill="hold">
-                      <p:stCondLst>
-                        <p:cond delay="indefinite"/>
-                      </p:stCondLst>
-                      <p:childTnLst>
-                        <p:par>
-                          <p:cTn id="20" fill="hold">
-                            <p:stCondLst>
-                              <p:cond delay="0"/>
-                            </p:stCondLst>
-                            <p:childTnLst>
-                              <p:par>
-                                <p:cTn id="21" presetID="1" presetClass="entr" presetSubtype="0" fill="hold" nodeType="clickEffect">
-                                  <p:stCondLst>
-                                    <p:cond delay="0"/>
-                                  </p:stCondLst>
-                                  <p:childTnLst>
-                                    <p:set>
-                                      <p:cBhvr>
-                                        <p:cTn id="22" dur="1" fill="hold">
-                                          <p:stCondLst>
-                                            <p:cond delay="0"/>
-                                          </p:stCondLst>
-                                        </p:cTn>
-                                        <p:tgtEl>
-                                          <p:spTgt spid="3">
-                                            <p:txEl>
-                                              <p:pRg st="3" end="3"/>
-                                            </p:txEl>
-                                          </p:spTgt>
-                                        </p:tgtEl>
-                                        <p:attrNameLst>
-                                          <p:attrName>style.visibility</p:attrName>
-                                        </p:attrNameLst>
-                                      </p:cBhvr>
-                                      <p:to>
-                                        <p:strVal val="visible"/>
-                                      </p:to>
-                                    </p:set>
-                                  </p:childTnLst>
-                                </p:cTn>
-                              </p:par>
-                            </p:childTnLst>
-                          </p:cTn>
-                        </p:par>
-                      </p:childTnLst>
-                    </p:cTn>
-                  </p:par>
-                  <p:par>
-                    <p:cTn id="23" fill="hold">
-                      <p:stCondLst>
-                        <p:cond delay="indefinite"/>
-                      </p:stCondLst>
-                      <p:childTnLst>
-                        <p:par>
-                          <p:cTn id="24" fill="hold">
-                            <p:stCondLst>
-                              <p:cond delay="0"/>
-                            </p:stCondLst>
-                            <p:childTnLst>
-                              <p:par>
-                                <p:cTn id="25" presetID="1" presetClass="entr" presetSubtype="0" fill="hold" nodeType="clickEffect">
-                                  <p:stCondLst>
-                                    <p:cond delay="0"/>
-                                  </p:stCondLst>
-                                  <p:childTnLst>
-                                    <p:set>
-                                      <p:cBhvr>
-                                        <p:cTn id="26" dur="1" fill="hold">
-                                          <p:stCondLst>
-                                            <p:cond delay="0"/>
-                                          </p:stCondLst>
-                                        </p:cTn>
-                                        <p:tgtEl>
-                                          <p:spTgt spid="3">
-                                            <p:txEl>
-                                              <p:pRg st="4" end="4"/>
-                                            </p:txEl>
-                                          </p:spTgt>
-                                        </p:tgtEl>
-                                        <p:attrNameLst>
-                                          <p:attrName>style.visibility</p:attrName>
-                                        </p:attrNameLst>
-                                      </p:cBhvr>
-                                      <p:to>
-                                        <p:strVal val="visible"/>
-                                      </p:to>
-                                    </p:set>
-                                  </p:childTnLst>
-                                </p:cTn>
-                              </p:par>
-                            </p:childTnLst>
-                          </p:cTn>
-                        </p:par>
-                      </p:childTnLst>
-                    </p:cTn>
-                  </p:par>
-                </p:childTnLst>
-              </p:cTn>
-              <p:prevCondLst>
-                <p:cond evt="onPrev" delay="0">
-                  <p:tgtEl>
-                    <p:sldTgt/>
-                  </p:tgtEl>
-                </p:cond>
-              </p:prevCondLst>
-              <p:nextCondLst>
-                <p:cond evt="onNext" delay="0">
-                  <p:tgtEl>
-                    <p:sldTgt/>
-                  </p:tgtEl>
-                </p:cond>
-              </p:nextCondLst>
-            </p:seq>
-          </p:childTnLst>
-        </p:cTn>
-      </p:par>
-    </p:tnLst>
-    <p:bldLst>
-      <p:bldP spid="2" grpId="0" autoUpdateAnimBg="0"/>
-    </p:bldLst>
-  </p:timing>
 </p:sld>
 </file>
 
-<file path=ppt/slides/slide5.xml><?xml version="1.0" encoding="utf-8"?>
+<file path=ppt/slides/slide7.xml><?xml version="1.0" encoding="utf-8"?>
+<p:sld xmlns:a="http://schemas.openxmlformats.org/drawingml/2006/main" xmlns:r="http://schemas.openxmlformats.org/officeDocument/2006/relationships" xmlns:p="http://schemas.openxmlformats.org/presentationml/2006/main" showMasterPhAnim="0">
+  <p:cSld>
+    <p:spTree>
+      <p:nvGrpSpPr>
+        <p:cNvPr id="1" name=""/>
+        <p:cNvGrpSpPr/>
+        <p:nvPr/>
+      </p:nvGrpSpPr>
+      <p:grpSpPr>
+        <a:xfrm>
+          <a:off x="0" y="0"/>
+          <a:ext cx="0" cy="0"/>
+          <a:chOff x="0" y="0"/>
+          <a:chExt cx="0" cy="0"/>
+        </a:xfrm>
+      </p:grpSpPr>
+      <p:sp>
+        <p:nvSpPr>
+          <p:cNvPr id="2" name="Title 1">
+            <a:extLst>
+              <a:ext uri="{FF2B5EF4-FFF2-40B4-BE49-F238E27FC236}">
+                <a16:creationId xmlns:a16="http://schemas.microsoft.com/office/drawing/2014/main" id="{AC0BCCB1-030C-45A4-AAE9-BB900882CBA3}"/>
+              </a:ext>
+            </a:extLst>
+          </p:cNvPr>
+          <p:cNvSpPr>
+            <a:spLocks noGrp="1"/>
+          </p:cNvSpPr>
+          <p:nvPr>
+            <p:ph type="title"/>
+          </p:nvPr>
+        </p:nvSpPr>
+        <p:spPr/>
+        <p:txBody>
+          <a:bodyPr/>
+          <a:lstStyle/>
+          <a:p>
+            <a:r>
+              <a:rPr lang="en-US" dirty="0"/>
+              <a:t>Subjective Indicators (“Code Smells”)</a:t>
+            </a:r>
+          </a:p>
+        </p:txBody>
+      </p:sp>
+      <p:sp>
+        <p:nvSpPr>
+          <p:cNvPr id="3" name="Content Placeholder 2">
+            <a:extLst>
+              <a:ext uri="{FF2B5EF4-FFF2-40B4-BE49-F238E27FC236}">
+                <a16:creationId xmlns:a16="http://schemas.microsoft.com/office/drawing/2014/main" id="{4B50B754-3893-4740-8705-57493D389CBD}"/>
+              </a:ext>
+            </a:extLst>
+          </p:cNvPr>
+          <p:cNvSpPr>
+            <a:spLocks noGrp="1"/>
+          </p:cNvSpPr>
+          <p:nvPr>
+            <p:ph idx="1"/>
+          </p:nvPr>
+        </p:nvSpPr>
+        <p:spPr/>
+        <p:txBody>
+          <a:bodyPr/>
+          <a:lstStyle/>
+          <a:p>
+            <a:r>
+              <a:rPr lang="en-US" dirty="0"/>
+              <a:t>“Magic” strings and numbers</a:t>
+            </a:r>
+          </a:p>
+          <a:p>
+            <a:r>
+              <a:rPr lang="en-US" dirty="0"/>
+              <a:t>Overusing weakly-typed objects</a:t>
+            </a:r>
+          </a:p>
+          <a:p>
+            <a:r>
+              <a:rPr lang="en-US" dirty="0"/>
+              <a:t>Duplicate Code or Markup</a:t>
+            </a:r>
+            <a:br>
+              <a:rPr lang="en-US" dirty="0"/>
+            </a:br>
+            <a:r>
+              <a:rPr lang="en-US" sz="2400" i="1" dirty="0">
+                <a:solidFill>
+                  <a:schemeClr val="bg1">
+                    <a:lumMod val="50000"/>
+                  </a:schemeClr>
+                </a:solidFill>
+              </a:rPr>
+              <a:t>Sometimes a good thing, but not when they must always be the same!</a:t>
+            </a:r>
+            <a:endParaRPr lang="en-US" i="1" dirty="0">
+              <a:solidFill>
+                <a:schemeClr val="bg1">
+                  <a:lumMod val="50000"/>
+                </a:schemeClr>
+              </a:solidFill>
+            </a:endParaRPr>
+          </a:p>
+        </p:txBody>
+      </p:sp>
+    </p:spTree>
+    <p:extLst>
+      <p:ext uri="{BB962C8B-B14F-4D97-AF65-F5344CB8AC3E}">
+        <p14:creationId xmlns:p14="http://schemas.microsoft.com/office/powerpoint/2010/main" val="3288597537"/>
+      </p:ext>
+    </p:extLst>
+  </p:cSld>
+  <p:clrMapOvr>
+    <a:masterClrMapping/>
+  </p:clrMapOvr>
+  <p:transition>
+    <p:dissolve/>
+  </p:transition>
+</p:sld>
+</file>
+
+<file path=ppt/slides/slide8.xml><?xml version="1.0" encoding="utf-8"?>
+<p:sld xmlns:a="http://schemas.openxmlformats.org/drawingml/2006/main" xmlns:r="http://schemas.openxmlformats.org/officeDocument/2006/relationships" xmlns:p="http://schemas.openxmlformats.org/presentationml/2006/main" showMasterPhAnim="0">
+  <p:cSld>
+    <p:spTree>
+      <p:nvGrpSpPr>
+        <p:cNvPr id="1" name=""/>
+        <p:cNvGrpSpPr/>
+        <p:nvPr/>
+      </p:nvGrpSpPr>
+      <p:grpSpPr>
+        <a:xfrm>
+          <a:off x="0" y="0"/>
+          <a:ext cx="0" cy="0"/>
+          <a:chOff x="0" y="0"/>
+          <a:chExt cx="0" cy="0"/>
+        </a:xfrm>
+      </p:grpSpPr>
+      <p:sp>
+        <p:nvSpPr>
+          <p:cNvPr id="2" name="Title 1">
+            <a:extLst>
+              <a:ext uri="{FF2B5EF4-FFF2-40B4-BE49-F238E27FC236}">
+                <a16:creationId xmlns:a16="http://schemas.microsoft.com/office/drawing/2014/main" id="{AC0BCCB1-030C-45A4-AAE9-BB900882CBA3}"/>
+              </a:ext>
+            </a:extLst>
+          </p:cNvPr>
+          <p:cNvSpPr>
+            <a:spLocks noGrp="1"/>
+          </p:cNvSpPr>
+          <p:nvPr>
+            <p:ph type="title"/>
+          </p:nvPr>
+        </p:nvSpPr>
+        <p:spPr/>
+        <p:txBody>
+          <a:bodyPr/>
+          <a:lstStyle/>
+          <a:p>
+            <a:r>
+              <a:rPr lang="en-US" dirty="0"/>
+              <a:t>Subjective Indicators (“Code Smells”)</a:t>
+            </a:r>
+          </a:p>
+        </p:txBody>
+      </p:sp>
+      <p:sp>
+        <p:nvSpPr>
+          <p:cNvPr id="3" name="Content Placeholder 2">
+            <a:extLst>
+              <a:ext uri="{FF2B5EF4-FFF2-40B4-BE49-F238E27FC236}">
+                <a16:creationId xmlns:a16="http://schemas.microsoft.com/office/drawing/2014/main" id="{4B50B754-3893-4740-8705-57493D389CBD}"/>
+              </a:ext>
+            </a:extLst>
+          </p:cNvPr>
+          <p:cNvSpPr>
+            <a:spLocks noGrp="1"/>
+          </p:cNvSpPr>
+          <p:nvPr>
+            <p:ph idx="1"/>
+          </p:nvPr>
+        </p:nvSpPr>
+        <p:spPr/>
+        <p:txBody>
+          <a:bodyPr/>
+          <a:lstStyle/>
+          <a:p>
+            <a:r>
+              <a:rPr lang="en-US" dirty="0"/>
+              <a:t>“Magic” strings and numbers</a:t>
+            </a:r>
+          </a:p>
+          <a:p>
+            <a:r>
+              <a:rPr lang="en-US" dirty="0"/>
+              <a:t>Overusing weakly-typed objects</a:t>
+            </a:r>
+          </a:p>
+          <a:p>
+            <a:r>
+              <a:rPr lang="en-US" dirty="0"/>
+              <a:t>Duplicate Code or Markup</a:t>
+            </a:r>
+          </a:p>
+          <a:p>
+            <a:r>
+              <a:rPr lang="en-US" dirty="0"/>
+              <a:t>Complex Views:  </a:t>
+            </a:r>
+            <a:r>
+              <a:rPr lang="en-US" sz="3200" i="1" dirty="0">
+                <a:solidFill>
+                  <a:schemeClr val="bg1">
+                    <a:lumMod val="50000"/>
+                  </a:schemeClr>
+                </a:solidFill>
+              </a:rPr>
+              <a:t>excessive logic in view</a:t>
+            </a:r>
+          </a:p>
+          <a:p>
+            <a:r>
+              <a:rPr lang="en-US" dirty="0"/>
+              <a:t>“Fat” Controllers:  </a:t>
+            </a:r>
+            <a:r>
+              <a:rPr lang="en-US" sz="2800" i="1" dirty="0">
+                <a:solidFill>
+                  <a:schemeClr val="bg1">
+                    <a:lumMod val="50000"/>
+                  </a:schemeClr>
+                </a:solidFill>
+              </a:rPr>
+              <a:t>controllers that are way too smart</a:t>
+            </a:r>
+            <a:endParaRPr lang="en-US" dirty="0"/>
+          </a:p>
+          <a:p>
+            <a:endParaRPr lang="en-US" dirty="0"/>
+          </a:p>
+          <a:p>
+            <a:endParaRPr lang="en-US" dirty="0"/>
+          </a:p>
+        </p:txBody>
+      </p:sp>
+    </p:spTree>
+    <p:extLst>
+      <p:ext uri="{BB962C8B-B14F-4D97-AF65-F5344CB8AC3E}">
+        <p14:creationId xmlns:p14="http://schemas.microsoft.com/office/powerpoint/2010/main" val="2764054946"/>
+      </p:ext>
+    </p:extLst>
+  </p:cSld>
+  <p:clrMapOvr>
+    <a:masterClrMapping/>
+  </p:clrMapOvr>
+  <p:transition>
+    <p:dissolve/>
+  </p:transition>
+</p:sld>
+</file>
+
+<file path=ppt/slides/slide9.xml><?xml version="1.0" encoding="utf-8"?>
 <p:sld xmlns:a="http://schemas.openxmlformats.org/drawingml/2006/main" xmlns:r="http://schemas.openxmlformats.org/officeDocument/2006/relationships" xmlns:p="http://schemas.openxmlformats.org/presentationml/2006/main" showMasterPhAnim="0">
   <p:cSld>
     <p:spTree>
@@ -11507,8 +12072,13 @@
           <a:p>
             <a:r>
               <a:rPr lang="en-US" dirty="0"/>
-              <a:t>Recommendation:</a:t>
+              <a:t>Before you </a:t>
             </a:r>
+            <a:r>
+              <a:rPr lang="en-US"/>
+              <a:t>get started…</a:t>
+            </a:r>
+            <a:endParaRPr lang="en-US" dirty="0"/>
           </a:p>
         </p:txBody>
       </p:sp>
@@ -11586,6 +12156,9 @@
                     <p:cTn id="3" fill="hold">
                       <p:stCondLst>
                         <p:cond delay="indefinite"/>
+                        <p:cond evt="onBegin" delay="0">
+                          <p:tn val="2"/>
+                        </p:cond>
                       </p:stCondLst>
                       <p:childTnLst>
                         <p:par>
@@ -11595,9 +12168,9 @@
                             </p:stCondLst>
                             <p:childTnLst>
                               <p:par>
-                                <p:cTn id="5" presetID="1" presetClass="entr" presetSubtype="0" fill="hold" nodeType="clickEffect">
+                                <p:cTn id="5" presetID="1" presetClass="entr" presetSubtype="0" fill="hold" nodeType="afterEffect">
                                   <p:stCondLst>
-                                    <p:cond delay="0"/>
+                                    <p:cond delay="1500"/>
                                   </p:stCondLst>
                                   <p:childTnLst>
                                     <p:set>
@@ -11628,30 +12201,21 @@
                             </p:childTnLst>
                           </p:cTn>
                         </p:par>
-                      </p:childTnLst>
-                    </p:cTn>
-                  </p:par>
-                  <p:par>
-                    <p:cTn id="7" fill="hold">
-                      <p:stCondLst>
-                        <p:cond delay="indefinite"/>
-                      </p:stCondLst>
-                      <p:childTnLst>
                         <p:par>
-                          <p:cTn id="8" fill="hold">
+                          <p:cTn id="7" fill="hold">
                             <p:stCondLst>
-                              <p:cond delay="0"/>
+                              <p:cond delay="1500"/>
                             </p:stCondLst>
                             <p:childTnLst>
                               <p:par>
-                                <p:cTn id="9" presetID="1" presetClass="entr" presetSubtype="0" fill="hold" nodeType="clickEffect">
+                                <p:cTn id="8" presetID="1" presetClass="entr" presetSubtype="0" fill="hold" nodeType="afterEffect">
                                   <p:stCondLst>
-                                    <p:cond delay="0"/>
+                                    <p:cond delay="1500"/>
                                   </p:stCondLst>
                                   <p:childTnLst>
                                     <p:set>
                                       <p:cBhvr>
-                                        <p:cTn id="10" dur="1" fill="hold">
+                                        <p:cTn id="9" dur="1" fill="hold">
                                           <p:stCondLst>
                                             <p:cond delay="0"/>
                                           </p:stCondLst>
@@ -11953,7 +12517,7 @@
         <a:effectLst/>
         <a:extLst>
           <a:ext uri="{AF507438-7753-43e0-B8FC-AC1667EBCBE1}">
-            <a14:hiddenEffects xmlns:a14="http://schemas.microsoft.com/office/drawing/2010/main" xmlns="">
+            <a14:hiddenEffects xmlns="" xmlns:a14="http://schemas.microsoft.com/office/drawing/2010/main">
               <a:effectLst>
                 <a:outerShdw blurRad="63500" dist="38099" dir="2700000" algn="ctr" rotWithShape="0">
                   <a:schemeClr val="bg2">
@@ -12033,7 +12597,7 @@
         <a:effectLst/>
         <a:extLst>
           <a:ext uri="{AF507438-7753-43e0-B8FC-AC1667EBCBE1}">
-            <a14:hiddenEffects xmlns:a14="http://schemas.microsoft.com/office/drawing/2010/main" xmlns="">
+            <a14:hiddenEffects xmlns="" xmlns:a14="http://schemas.microsoft.com/office/drawing/2010/main">
               <a:effectLst>
                 <a:outerShdw blurRad="63500" dist="38099" dir="2700000" algn="ctr" rotWithShape="0">
                   <a:schemeClr val="bg2">
@@ -12707,7 +13271,7 @@
         <a:effectLst/>
         <a:extLst>
           <a:ext uri="{AF507438-7753-43e0-B8FC-AC1667EBCBE1}">
-            <a14:hiddenEffects xmlns:a14="http://schemas.microsoft.com/office/drawing/2010/main" xmlns="">
+            <a14:hiddenEffects xmlns="" xmlns:a14="http://schemas.microsoft.com/office/drawing/2010/main">
               <a:effectLst>
                 <a:outerShdw blurRad="63500" dist="38099" dir="2700000" algn="ctr" rotWithShape="0">
                   <a:schemeClr val="bg2">
@@ -12787,7 +13351,7 @@
         <a:effectLst/>
         <a:extLst>
           <a:ext uri="{AF507438-7753-43e0-B8FC-AC1667EBCBE1}">
-            <a14:hiddenEffects xmlns:a14="http://schemas.microsoft.com/office/drawing/2010/main" xmlns="">
+            <a14:hiddenEffects xmlns="" xmlns:a14="http://schemas.microsoft.com/office/drawing/2010/main">
               <a:effectLst>
                 <a:outerShdw blurRad="63500" dist="38099" dir="2700000" algn="ctr" rotWithShape="0">
                   <a:schemeClr val="bg2">
@@ -13461,7 +14025,7 @@
         <a:effectLst/>
         <a:extLst>
           <a:ext uri="{AF507438-7753-43e0-B8FC-AC1667EBCBE1}">
-            <a14:hiddenEffects xmlns:a14="http://schemas.microsoft.com/office/drawing/2010/main" xmlns="">
+            <a14:hiddenEffects xmlns="" xmlns:a14="http://schemas.microsoft.com/office/drawing/2010/main">
               <a:effectLst>
                 <a:outerShdw blurRad="63500" dist="38099" dir="2700000" algn="ctr" rotWithShape="0">
                   <a:schemeClr val="bg2">
@@ -13541,7 +14105,7 @@
         <a:effectLst/>
         <a:extLst>
           <a:ext uri="{AF507438-7753-43e0-B8FC-AC1667EBCBE1}">
-            <a14:hiddenEffects xmlns:a14="http://schemas.microsoft.com/office/drawing/2010/main" xmlns="">
+            <a14:hiddenEffects xmlns="" xmlns:a14="http://schemas.microsoft.com/office/drawing/2010/main">
               <a:effectLst>
                 <a:outerShdw blurRad="63500" dist="38099" dir="2700000" algn="ctr" rotWithShape="0">
                   <a:schemeClr val="bg2">
@@ -13890,7 +14454,7 @@
         <a:effectLst/>
         <a:extLst>
           <a:ext uri="{AF507438-7753-43e0-B8FC-AC1667EBCBE1}">
-            <a14:hiddenEffects xmlns:a14="http://schemas.microsoft.com/office/drawing/2010/main" xmlns="">
+            <a14:hiddenEffects xmlns="" xmlns:a14="http://schemas.microsoft.com/office/drawing/2010/main">
               <a:effectLst>
                 <a:outerShdw blurRad="63500" dist="38099" dir="2700000" algn="ctr" rotWithShape="0">
                   <a:schemeClr val="bg2">
@@ -13970,7 +14534,7 @@
         <a:effectLst/>
         <a:extLst>
           <a:ext uri="{AF507438-7753-43e0-B8FC-AC1667EBCBE1}">
-            <a14:hiddenEffects xmlns:a14="http://schemas.microsoft.com/office/drawing/2010/main" xmlns="">
+            <a14:hiddenEffects xmlns="" xmlns:a14="http://schemas.microsoft.com/office/drawing/2010/main">
               <a:effectLst>
                 <a:outerShdw blurRad="63500" dist="38099" dir="2700000" algn="ctr" rotWithShape="0">
                   <a:schemeClr val="bg2">
@@ -14319,7 +14883,7 @@
         <a:effectLst/>
         <a:extLst>
           <a:ext uri="{AF507438-7753-43e0-B8FC-AC1667EBCBE1}">
-            <a14:hiddenEffects xmlns:a14="http://schemas.microsoft.com/office/drawing/2010/main" xmlns="">
+            <a14:hiddenEffects xmlns="" xmlns:a14="http://schemas.microsoft.com/office/drawing/2010/main">
               <a:effectLst>
                 <a:outerShdw blurRad="63500" dist="38099" dir="2700000" algn="ctr" rotWithShape="0">
                   <a:schemeClr val="bg2">
@@ -14399,7 +14963,7 @@
         <a:effectLst/>
         <a:extLst>
           <a:ext uri="{AF507438-7753-43e0-B8FC-AC1667EBCBE1}">
-            <a14:hiddenEffects xmlns:a14="http://schemas.microsoft.com/office/drawing/2010/main" xmlns="">
+            <a14:hiddenEffects xmlns="" xmlns:a14="http://schemas.microsoft.com/office/drawing/2010/main">
               <a:effectLst>
                 <a:outerShdw blurRad="63500" dist="38099" dir="2700000" algn="ctr" rotWithShape="0">
                   <a:schemeClr val="bg2">
@@ -14748,7 +15312,7 @@
         <a:effectLst/>
         <a:extLst>
           <a:ext uri="{AF507438-7753-43e0-B8FC-AC1667EBCBE1}">
-            <a14:hiddenEffects xmlns:a14="http://schemas.microsoft.com/office/drawing/2010/main" xmlns="">
+            <a14:hiddenEffects xmlns="" xmlns:a14="http://schemas.microsoft.com/office/drawing/2010/main">
               <a:effectLst>
                 <a:outerShdw blurRad="63500" dist="38099" dir="2700000" algn="ctr" rotWithShape="0">
                   <a:schemeClr val="bg2">
@@ -14828,7 +15392,7 @@
         <a:effectLst/>
         <a:extLst>
           <a:ext uri="{AF507438-7753-43e0-B8FC-AC1667EBCBE1}">
-            <a14:hiddenEffects xmlns:a14="http://schemas.microsoft.com/office/drawing/2010/main" xmlns="">
+            <a14:hiddenEffects xmlns="" xmlns:a14="http://schemas.microsoft.com/office/drawing/2010/main">
               <a:effectLst>
                 <a:outerShdw blurRad="63500" dist="38099" dir="2700000" algn="ctr" rotWithShape="0">
                   <a:schemeClr val="bg2">
